--- a/Final Honeypot presentation.pptx
+++ b/Final Honeypot presentation.pptx
@@ -3564,6 +3564,13 @@
             </a:stretch>
           </a:blipFill>
         </p:spPr>
+        <p:txBody>
+          <a:bodyPr/>
+          <a:lstStyle/>
+          <a:p>
+            <a:endParaRPr lang="en-US"/>
+          </a:p>
+        </p:txBody>
       </p:sp>
       <p:sp>
         <p:nvSpPr>
@@ -3617,6 +3624,13 @@
             </a:stretch>
           </a:blipFill>
         </p:spPr>
+        <p:txBody>
+          <a:bodyPr/>
+          <a:lstStyle/>
+          <a:p>
+            <a:endParaRPr lang="en-US"/>
+          </a:p>
+        </p:txBody>
       </p:sp>
       <p:sp>
         <p:nvSpPr>
@@ -3669,6 +3683,13 @@
             </a:stretch>
           </a:blipFill>
         </p:spPr>
+        <p:txBody>
+          <a:bodyPr/>
+          <a:lstStyle/>
+          <a:p>
+            <a:endParaRPr lang="en-US"/>
+          </a:p>
+        </p:txBody>
       </p:sp>
       <p:sp>
         <p:nvSpPr>
@@ -3780,6 +3801,13 @@
             </a:stretch>
           </a:blipFill>
         </p:spPr>
+        <p:txBody>
+          <a:bodyPr/>
+          <a:lstStyle/>
+          <a:p>
+            <a:endParaRPr lang="en-US"/>
+          </a:p>
+        </p:txBody>
       </p:sp>
       <p:sp>
         <p:nvSpPr>
@@ -3817,8 +3845,29 @@
                 <a:cs typeface="Montserrat Classic"/>
                 <a:sym typeface="Montserrat Classic"/>
               </a:rPr>
-              <a:t>Presented by Name </a:t>
-            </a:r>
+              <a:t>Mamdouh , </a:t>
+            </a:r>
+            <a:r>
+              <a:rPr lang="en-US" sz="2599">
+                <a:solidFill>
+                  <a:srgbClr val="000000"/>
+                </a:solidFill>
+                <a:latin typeface="Montserrat Classic"/>
+                <a:ea typeface="Montserrat Classic"/>
+                <a:cs typeface="Montserrat Classic"/>
+                <a:sym typeface="Montserrat Classic"/>
+              </a:rPr>
+              <a:t>Mohammed and Majid </a:t>
+            </a:r>
+            <a:endParaRPr lang="en-US" sz="2599" dirty="0">
+              <a:solidFill>
+                <a:srgbClr val="000000"/>
+              </a:solidFill>
+              <a:latin typeface="Montserrat Classic"/>
+              <a:ea typeface="Montserrat Classic"/>
+              <a:cs typeface="Montserrat Classic"/>
+              <a:sym typeface="Montserrat Classic"/>
+            </a:endParaRPr>
           </a:p>
         </p:txBody>
       </p:sp>
@@ -4078,6 +4127,13 @@
             </a:stretch>
           </a:blipFill>
         </p:spPr>
+        <p:txBody>
+          <a:bodyPr/>
+          <a:lstStyle/>
+          <a:p>
+            <a:endParaRPr lang="en-US"/>
+          </a:p>
+        </p:txBody>
       </p:sp>
       <p:sp>
         <p:nvSpPr>
@@ -4364,6 +4420,13 @@
             </a:stretch>
           </a:blipFill>
         </p:spPr>
+        <p:txBody>
+          <a:bodyPr/>
+          <a:lstStyle/>
+          <a:p>
+            <a:endParaRPr lang="en-US"/>
+          </a:p>
+        </p:txBody>
       </p:sp>
       <p:sp>
         <p:nvSpPr>
@@ -4422,6 +4485,13 @@
             </a:stretch>
           </a:blipFill>
         </p:spPr>
+        <p:txBody>
+          <a:bodyPr/>
+          <a:lstStyle/>
+          <a:p>
+            <a:endParaRPr lang="en-US"/>
+          </a:p>
+        </p:txBody>
       </p:sp>
       <p:sp>
         <p:nvSpPr>
@@ -4480,6 +4550,13 @@
             </a:stretch>
           </a:blipFill>
         </p:spPr>
+        <p:txBody>
+          <a:bodyPr/>
+          <a:lstStyle/>
+          <a:p>
+            <a:endParaRPr lang="en-US"/>
+          </a:p>
+        </p:txBody>
       </p:sp>
       <p:sp>
         <p:nvSpPr>
@@ -4772,6 +4849,13 @@
             </a:stretch>
           </a:blipFill>
         </p:spPr>
+        <p:txBody>
+          <a:bodyPr/>
+          <a:lstStyle/>
+          <a:p>
+            <a:endParaRPr lang="en-US"/>
+          </a:p>
+        </p:txBody>
       </p:sp>
       <p:sp>
         <p:nvSpPr>
@@ -4824,6 +4908,13 @@
             </a:stretch>
           </a:blipFill>
         </p:spPr>
+        <p:txBody>
+          <a:bodyPr/>
+          <a:lstStyle/>
+          <a:p>
+            <a:endParaRPr lang="en-US"/>
+          </a:p>
+        </p:txBody>
       </p:sp>
       <p:sp>
         <p:nvSpPr>
@@ -4876,6 +4967,13 @@
             </a:stretch>
           </a:blipFill>
         </p:spPr>
+        <p:txBody>
+          <a:bodyPr/>
+          <a:lstStyle/>
+          <a:p>
+            <a:endParaRPr lang="en-US"/>
+          </a:p>
+        </p:txBody>
       </p:sp>
       <p:sp>
         <p:nvSpPr>
@@ -5218,6 +5316,13 @@
             </a:stretch>
           </a:blipFill>
         </p:spPr>
+        <p:txBody>
+          <a:bodyPr/>
+          <a:lstStyle/>
+          <a:p>
+            <a:endParaRPr lang="en-US"/>
+          </a:p>
+        </p:txBody>
       </p:sp>
       <p:sp>
         <p:nvSpPr>
@@ -5270,6 +5375,13 @@
             </a:stretch>
           </a:blipFill>
         </p:spPr>
+        <p:txBody>
+          <a:bodyPr/>
+          <a:lstStyle/>
+          <a:p>
+            <a:endParaRPr lang="en-US"/>
+          </a:p>
+        </p:txBody>
       </p:sp>
       <p:sp>
         <p:nvSpPr>
@@ -5511,6 +5623,13 @@
             </a:stretch>
           </a:blipFill>
         </p:spPr>
+        <p:txBody>
+          <a:bodyPr/>
+          <a:lstStyle/>
+          <a:p>
+            <a:endParaRPr lang="en-US"/>
+          </a:p>
+        </p:txBody>
       </p:sp>
       <p:sp>
         <p:nvSpPr>
@@ -6124,6 +6243,13 @@
             </a:stretch>
           </a:blipFill>
         </p:spPr>
+        <p:txBody>
+          <a:bodyPr/>
+          <a:lstStyle/>
+          <a:p>
+            <a:endParaRPr lang="en-US"/>
+          </a:p>
+        </p:txBody>
       </p:sp>
       <p:sp>
         <p:nvSpPr>
@@ -6177,6 +6303,13 @@
             </a:stretch>
           </a:blipFill>
         </p:spPr>
+        <p:txBody>
+          <a:bodyPr/>
+          <a:lstStyle/>
+          <a:p>
+            <a:endParaRPr lang="en-US"/>
+          </a:p>
+        </p:txBody>
       </p:sp>
       <p:sp>
         <p:nvSpPr>
@@ -6229,6 +6362,13 @@
             </a:stretch>
           </a:blipFill>
         </p:spPr>
+        <p:txBody>
+          <a:bodyPr/>
+          <a:lstStyle/>
+          <a:p>
+            <a:endParaRPr lang="en-US"/>
+          </a:p>
+        </p:txBody>
       </p:sp>
       <p:sp>
         <p:nvSpPr>
@@ -6397,6 +6537,13 @@
             </a:stretch>
           </a:blipFill>
         </p:spPr>
+        <p:txBody>
+          <a:bodyPr/>
+          <a:lstStyle/>
+          <a:p>
+            <a:endParaRPr lang="en-US"/>
+          </a:p>
+        </p:txBody>
       </p:sp>
       <p:sp>
         <p:nvSpPr>
@@ -6449,6 +6596,13 @@
             </a:stretch>
           </a:blipFill>
         </p:spPr>
+        <p:txBody>
+          <a:bodyPr/>
+          <a:lstStyle/>
+          <a:p>
+            <a:endParaRPr lang="en-US"/>
+          </a:p>
+        </p:txBody>
       </p:sp>
       <p:sp>
         <p:nvSpPr>
@@ -6501,6 +6655,13 @@
             </a:stretch>
           </a:blipFill>
         </p:spPr>
+        <p:txBody>
+          <a:bodyPr/>
+          <a:lstStyle/>
+          <a:p>
+            <a:endParaRPr lang="en-US"/>
+          </a:p>
+        </p:txBody>
       </p:sp>
       <p:sp>
         <p:nvSpPr>
@@ -6923,6 +7084,13 @@
             </a:stretch>
           </a:blipFill>
         </p:spPr>
+        <p:txBody>
+          <a:bodyPr/>
+          <a:lstStyle/>
+          <a:p>
+            <a:endParaRPr lang="en-US"/>
+          </a:p>
+        </p:txBody>
       </p:sp>
       <p:sp>
         <p:nvSpPr>
@@ -6976,6 +7144,13 @@
             </a:stretch>
           </a:blipFill>
         </p:spPr>
+        <p:txBody>
+          <a:bodyPr/>
+          <a:lstStyle/>
+          <a:p>
+            <a:endParaRPr lang="en-US"/>
+          </a:p>
+        </p:txBody>
       </p:sp>
       <p:sp>
         <p:nvSpPr>
@@ -7028,6 +7203,13 @@
             </a:stretch>
           </a:blipFill>
         </p:spPr>
+        <p:txBody>
+          <a:bodyPr/>
+          <a:lstStyle/>
+          <a:p>
+            <a:endParaRPr lang="en-US"/>
+          </a:p>
+        </p:txBody>
       </p:sp>
       <p:sp>
         <p:nvSpPr>
@@ -7191,6 +7373,13 @@
             </a:stretch>
           </a:blipFill>
         </p:spPr>
+        <p:txBody>
+          <a:bodyPr/>
+          <a:lstStyle/>
+          <a:p>
+            <a:endParaRPr lang="en-US"/>
+          </a:p>
+        </p:txBody>
       </p:sp>
       <p:sp>
         <p:nvSpPr>
@@ -7249,6 +7438,13 @@
             </a:stretch>
           </a:blipFill>
         </p:spPr>
+        <p:txBody>
+          <a:bodyPr/>
+          <a:lstStyle/>
+          <a:p>
+            <a:endParaRPr lang="en-US"/>
+          </a:p>
+        </p:txBody>
       </p:sp>
       <p:sp>
         <p:nvSpPr>
@@ -7553,6 +7749,13 @@
             </a:stretch>
           </a:blipFill>
         </p:spPr>
+        <p:txBody>
+          <a:bodyPr/>
+          <a:lstStyle/>
+          <a:p>
+            <a:endParaRPr lang="en-US"/>
+          </a:p>
+        </p:txBody>
       </p:sp>
       <p:sp>
         <p:nvSpPr>
@@ -7606,6 +7809,13 @@
             </a:stretch>
           </a:blipFill>
         </p:spPr>
+        <p:txBody>
+          <a:bodyPr/>
+          <a:lstStyle/>
+          <a:p>
+            <a:endParaRPr lang="en-US"/>
+          </a:p>
+        </p:txBody>
       </p:sp>
       <p:sp>
         <p:nvSpPr>
@@ -8115,6 +8325,13 @@
             </a:stretch>
           </a:blipFill>
         </p:spPr>
+        <p:txBody>
+          <a:bodyPr/>
+          <a:lstStyle/>
+          <a:p>
+            <a:endParaRPr lang="en-US"/>
+          </a:p>
+        </p:txBody>
       </p:sp>
       <p:sp>
         <p:nvSpPr>
@@ -8174,6 +8391,13 @@
             </a:stretch>
           </a:blipFill>
         </p:spPr>
+        <p:txBody>
+          <a:bodyPr/>
+          <a:lstStyle/>
+          <a:p>
+            <a:endParaRPr lang="en-US"/>
+          </a:p>
+        </p:txBody>
       </p:sp>
       <p:sp>
         <p:nvSpPr>
@@ -8232,6 +8456,13 @@
             </a:stretch>
           </a:blipFill>
         </p:spPr>
+        <p:txBody>
+          <a:bodyPr/>
+          <a:lstStyle/>
+          <a:p>
+            <a:endParaRPr lang="en-US"/>
+          </a:p>
+        </p:txBody>
       </p:sp>
       <p:sp>
         <p:nvSpPr>
@@ -8491,6 +8722,13 @@
             </a:stretch>
           </a:blipFill>
         </p:spPr>
+        <p:txBody>
+          <a:bodyPr/>
+          <a:lstStyle/>
+          <a:p>
+            <a:endParaRPr lang="en-US"/>
+          </a:p>
+        </p:txBody>
       </p:sp>
       <p:sp>
         <p:nvSpPr>
